--- a/help/User-Guide-SSB-Retuning-Automations-v0.7.6.pptx
+++ b/help/User-Guide-SSB-Retuning-Automations-v0.7.6.pptx
@@ -5489,7 +5489,7 @@
       </p:sp>
       <p:pic>
         <p:nvPicPr>
-          <p:cNvPr id="5" name="Picture 4" descr="module_selector.png"/>
+          <p:cNvPr id="5" name="Picture 4" descr="gui-interface.png"/>
           <p:cNvPicPr>
             <a:picLocks noChangeAspect="1"/>
           </p:cNvPicPr>

--- a/help/User-Guide-SSB-Retuning-Automations-v0.7.6.pptx
+++ b/help/User-Guide-SSB-Retuning-Automations-v0.7.6.pptx
@@ -5693,7 +5693,7 @@
               </a:defRPr>
             </a:pPr>
             <a:r>
-              <a:t>Web Interface - Admin Section</a:t>
+              <a:t>Web Interface - Inputs Repository Panel</a:t>
             </a:r>
           </a:p>
         </p:txBody>
@@ -5735,14 +5735,14 @@
               <a:defRPr sz="1200"/>
             </a:pPr>
             <a:r>
-              <a:t>This is the main Administrator Panel for SSB Retuning Automations. From this panel you can manage the configuration of the tool, view logs and manage user access.</a:t>
+              <a:t>You can see some information about the Inputs Repository.</a:t>
             </a:r>
           </a:p>
         </p:txBody>
       </p:sp>
       <p:pic>
         <p:nvPicPr>
-          <p:cNvPr id="5" name="Picture 4" descr="web-interface-admin-panel.png"/>
+          <p:cNvPr id="5" name="Picture 4" descr="web-interface-inputs-executions-panels.png"/>
           <p:cNvPicPr>
             <a:picLocks noChangeAspect="1"/>
           </p:cNvPicPr>
@@ -5810,7 +5810,7 @@
               </a:defRPr>
             </a:pPr>
             <a:r>
-              <a:t>Web Interface - Inputs Repository Panel</a:t>
+              <a:t>Web Interface - Executions and System Logs Panels</a:t>
             </a:r>
           </a:p>
         </p:txBody>
@@ -5852,14 +5852,14 @@
               <a:defRPr sz="1200"/>
             </a:pPr>
             <a:r>
-              <a:t>You can see some information about the Inputs Repository.</a:t>
+              <a:t>You can see some information about Last Executions and some useful System Logs of the tool.</a:t>
             </a:r>
           </a:p>
         </p:txBody>
       </p:sp>
       <p:pic>
         <p:nvPicPr>
-          <p:cNvPr id="5" name="Picture 4" descr="web-interface-inputs-executions-panels.png"/>
+          <p:cNvPr id="5" name="Picture 4" descr="web-interface-logs-panels.png"/>
           <p:cNvPicPr>
             <a:picLocks noChangeAspect="1"/>
           </p:cNvPicPr>
@@ -5927,7 +5927,7 @@
               </a:defRPr>
             </a:pPr>
             <a:r>
-              <a:t>Web Interface - Executions and System Logs Panels</a:t>
+              <a:t>Web Interface - Admin Section</a:t>
             </a:r>
           </a:p>
         </p:txBody>
@@ -5969,14 +5969,14 @@
               <a:defRPr sz="1200"/>
             </a:pPr>
             <a:r>
-              <a:t>You can see some information about Last Executions and some useful System Logs of the tool.</a:t>
+              <a:t>This is the main Administrator Panel for SSB Retuning Automations. From this panel you can manage the configuration of the tool, view logs and manage user access.</a:t>
             </a:r>
           </a:p>
         </p:txBody>
       </p:sp>
       <p:pic>
         <p:nvPicPr>
-          <p:cNvPr id="5" name="Picture 4" descr="web-interface-logs-panels.png"/>
+          <p:cNvPr id="5" name="Picture 4" descr="web-interface-admin-panel.png"/>
           <p:cNvPicPr>
             <a:picLocks noChangeAspect="1"/>
           </p:cNvPicPr>
